--- a/docs/presentation.pptx
+++ b/docs/presentation.pptx
@@ -115,6 +115,11 @@
       </a:defRPr>
     </a:lvl9pPr>
   </p:defaultTextStyle>
+  <p:extLst>
+    <p:ext uri="{EFAFB233-063F-42B5-8137-9DF3F51BA10A}">
+      <p15:sldGuideLst xmlns:p15="http://schemas.microsoft.com/office/powerpoint/2012/main"/>
+    </p:ext>
+  </p:extLst>
 </p:presentation>
 </file>
 
@@ -332,7 +337,7 @@
             <a:fld id="{B61BEF0D-F0BB-DE4B-95CE-6DB70DBA9567}" type="datetimeFigureOut">
               <a:rPr lang="en-US" dirty="0"/>
               <a:pPr/>
-              <a:t>11/16/25</a:t>
+              <a:t>11/17/2025</a:t>
             </a:fld>
             <a:endParaRPr lang="en-US" dirty="0"/>
           </a:p>
@@ -620,7 +625,7 @@
             <a:fld id="{B61BEF0D-F0BB-DE4B-95CE-6DB70DBA9567}" type="datetimeFigureOut">
               <a:rPr lang="en-US" dirty="0"/>
               <a:pPr/>
-              <a:t>11/16/25</a:t>
+              <a:t>11/17/2025</a:t>
             </a:fld>
             <a:endParaRPr lang="en-US" dirty="0"/>
           </a:p>
@@ -876,7 +881,7 @@
             <a:fld id="{B61BEF0D-F0BB-DE4B-95CE-6DB70DBA9567}" type="datetimeFigureOut">
               <a:rPr lang="en-US" dirty="0"/>
               <a:pPr/>
-              <a:t>11/16/25</a:t>
+              <a:t>11/17/2025</a:t>
             </a:fld>
             <a:endParaRPr lang="en-US" dirty="0"/>
           </a:p>
@@ -1342,7 +1347,7 @@
             <a:fld id="{B61BEF0D-F0BB-DE4B-95CE-6DB70DBA9567}" type="datetimeFigureOut">
               <a:rPr lang="en-US" dirty="0"/>
               <a:pPr/>
-              <a:t>11/16/25</a:t>
+              <a:t>11/17/2025</a:t>
             </a:fld>
             <a:endParaRPr lang="en-US" dirty="0"/>
           </a:p>
@@ -1519,7 +1524,7 @@
             <a:fld id="{B61BEF0D-F0BB-DE4B-95CE-6DB70DBA9567}" type="datetimeFigureOut">
               <a:rPr lang="en-US" dirty="0"/>
               <a:pPr/>
-              <a:t>11/16/25</a:t>
+              <a:t>11/17/2025</a:t>
             </a:fld>
             <a:endParaRPr lang="en-US" dirty="0"/>
           </a:p>
@@ -2092,7 +2097,7 @@
             <a:fld id="{B61BEF0D-F0BB-DE4B-95CE-6DB70DBA9567}" type="datetimeFigureOut">
               <a:rPr lang="en-US" dirty="0"/>
               <a:pPr/>
-              <a:t>11/16/25</a:t>
+              <a:t>11/17/2025</a:t>
             </a:fld>
             <a:endParaRPr lang="en-US" dirty="0"/>
           </a:p>
@@ -2421,7 +2426,7 @@
             <a:fld id="{B61BEF0D-F0BB-DE4B-95CE-6DB70DBA9567}" type="datetimeFigureOut">
               <a:rPr lang="en-US" dirty="0"/>
               <a:pPr/>
-              <a:t>11/16/25</a:t>
+              <a:t>11/17/2025</a:t>
             </a:fld>
             <a:endParaRPr lang="en-US" dirty="0"/>
           </a:p>
@@ -2593,7 +2598,7 @@
             <a:fld id="{B61BEF0D-F0BB-DE4B-95CE-6DB70DBA9567}" type="datetimeFigureOut">
               <a:rPr lang="en-US" dirty="0"/>
               <a:pPr/>
-              <a:t>11/16/25</a:t>
+              <a:t>11/17/2025</a:t>
             </a:fld>
             <a:endParaRPr lang="en-US" dirty="0"/>
           </a:p>
@@ -2770,7 +2775,7 @@
             <a:fld id="{B61BEF0D-F0BB-DE4B-95CE-6DB70DBA9567}" type="datetimeFigureOut">
               <a:rPr lang="en-US" dirty="0"/>
               <a:pPr/>
-              <a:t>11/16/25</a:t>
+              <a:t>11/17/2025</a:t>
             </a:fld>
             <a:endParaRPr lang="en-US" dirty="0"/>
           </a:p>
@@ -2937,7 +2942,7 @@
             <a:fld id="{B61BEF0D-F0BB-DE4B-95CE-6DB70DBA9567}" type="datetimeFigureOut">
               <a:rPr lang="en-US" dirty="0"/>
               <a:pPr/>
-              <a:t>11/16/25</a:t>
+              <a:t>11/17/2025</a:t>
             </a:fld>
             <a:endParaRPr lang="en-US" dirty="0"/>
           </a:p>
@@ -3191,7 +3196,7 @@
             <a:fld id="{B61BEF0D-F0BB-DE4B-95CE-6DB70DBA9567}" type="datetimeFigureOut">
               <a:rPr lang="en-US" dirty="0"/>
               <a:pPr/>
-              <a:t>11/16/25</a:t>
+              <a:t>11/17/2025</a:t>
             </a:fld>
             <a:endParaRPr lang="en-US" dirty="0"/>
           </a:p>
@@ -3480,7 +3485,7 @@
             <a:fld id="{B61BEF0D-F0BB-DE4B-95CE-6DB70DBA9567}" type="datetimeFigureOut">
               <a:rPr lang="en-US" dirty="0"/>
               <a:pPr/>
-              <a:t>11/16/25</a:t>
+              <a:t>11/17/2025</a:t>
             </a:fld>
             <a:endParaRPr lang="en-US" dirty="0"/>
           </a:p>
@@ -3907,7 +3912,7 @@
             <a:fld id="{B61BEF0D-F0BB-DE4B-95CE-6DB70DBA9567}" type="datetimeFigureOut">
               <a:rPr lang="en-US" dirty="0"/>
               <a:pPr/>
-              <a:t>11/16/25</a:t>
+              <a:t>11/17/2025</a:t>
             </a:fld>
             <a:endParaRPr lang="en-US" dirty="0"/>
           </a:p>
@@ -4022,7 +4027,7 @@
             <a:fld id="{B61BEF0D-F0BB-DE4B-95CE-6DB70DBA9567}" type="datetimeFigureOut">
               <a:rPr lang="en-US" dirty="0"/>
               <a:pPr/>
-              <a:t>11/16/25</a:t>
+              <a:t>11/17/2025</a:t>
             </a:fld>
             <a:endParaRPr lang="en-US" dirty="0"/>
           </a:p>
@@ -4114,7 +4119,7 @@
             <a:fld id="{B61BEF0D-F0BB-DE4B-95CE-6DB70DBA9567}" type="datetimeFigureOut">
               <a:rPr lang="en-US" dirty="0"/>
               <a:pPr/>
-              <a:t>11/16/25</a:t>
+              <a:t>11/17/2025</a:t>
             </a:fld>
             <a:endParaRPr lang="en-US" dirty="0"/>
           </a:p>
@@ -4394,7 +4399,7 @@
             <a:fld id="{B61BEF0D-F0BB-DE4B-95CE-6DB70DBA9567}" type="datetimeFigureOut">
               <a:rPr lang="en-US" dirty="0"/>
               <a:pPr/>
-              <a:t>11/16/25</a:t>
+              <a:t>11/17/2025</a:t>
             </a:fld>
             <a:endParaRPr lang="en-US" dirty="0"/>
           </a:p>
@@ -4682,7 +4687,7 @@
             <a:fld id="{B61BEF0D-F0BB-DE4B-95CE-6DB70DBA9567}" type="datetimeFigureOut">
               <a:rPr lang="en-US" dirty="0"/>
               <a:pPr/>
-              <a:t>11/16/25</a:t>
+              <a:t>11/17/2025</a:t>
             </a:fld>
             <a:endParaRPr lang="en-US" dirty="0"/>
           </a:p>
@@ -4910,7 +4915,7 @@
             <a:fld id="{B61BEF0D-F0BB-DE4B-95CE-6DB70DBA9567}" type="datetimeFigureOut">
               <a:rPr lang="en-US" dirty="0"/>
               <a:pPr/>
-              <a:t>11/16/25</a:t>
+              <a:t>11/17/2025</a:t>
             </a:fld>
             <a:endParaRPr lang="en-US" dirty="0"/>
           </a:p>
@@ -6757,8 +6762,8 @@
           </a:p>
         </p:txBody>
       </p:sp>
-      <mc:AlternateContent xmlns:mc="http://schemas.openxmlformats.org/markup-compatibility/2006">
-        <mc:Choice xmlns:a14="http://schemas.microsoft.com/office/drawing/2010/main" Requires="a14">
+      <mc:AlternateContent xmlns:mc="http://schemas.openxmlformats.org/markup-compatibility/2006" xmlns:a14="http://schemas.microsoft.com/office/drawing/2010/main">
+        <mc:Choice Requires="a14">
           <p:sp>
             <p:nvSpPr>
               <p:cNvPr id="3" name="Content Placeholder 2">
@@ -7139,7 +7144,7 @@
             </p:txBody>
           </p:sp>
         </mc:Choice>
-        <mc:Fallback>
+        <mc:Fallback xmlns="">
           <p:sp>
             <p:nvSpPr>
               <p:cNvPr id="3" name="Content Placeholder 2">
@@ -7241,8 +7246,8 @@
           <a:p>
             <a:pPr algn="ctr"/>
             <a:r>
-              <a:rPr lang="el-GR" dirty="0"/>
-              <a:t>αποτελέσματα</a:t>
+              <a:rPr lang="el-GR"/>
+              <a:t>αποτελεσματα</a:t>
             </a:r>
             <a:endParaRPr lang="en-US" dirty="0"/>
           </a:p>
@@ -8466,8 +8471,8 @@
           </a:p>
         </p:txBody>
       </p:sp>
-      <mc:AlternateContent xmlns:mc="http://schemas.openxmlformats.org/markup-compatibility/2006">
-        <mc:Choice xmlns:a14="http://schemas.microsoft.com/office/drawing/2010/main" Requires="a14">
+      <mc:AlternateContent xmlns:mc="http://schemas.openxmlformats.org/markup-compatibility/2006" xmlns:a14="http://schemas.microsoft.com/office/drawing/2010/main">
+        <mc:Choice Requires="a14">
           <p:sp>
             <p:nvSpPr>
               <p:cNvPr id="3" name="Content Placeholder 2">
@@ -9590,7 +9595,7 @@
             </p:txBody>
           </p:sp>
         </mc:Choice>
-        <mc:Fallback>
+        <mc:Fallback xmlns="">
           <p:sp>
             <p:nvSpPr>
               <p:cNvPr id="3" name="Content Placeholder 2">
